--- a/pptx/第7章 聚类分析.pptx
+++ b/pptx/第7章 聚类分析.pptx
@@ -16554,8 +16554,8 @@
         </p:nvSpPr>
         <p:spPr>
           <a:xfrm>
-            <a:off x="2711450" y="2637155"/>
-            <a:ext cx="6824345" cy="808990"/>
+            <a:off x="2125345" y="2637155"/>
+            <a:ext cx="8930640" cy="768350"/>
           </a:xfrm>
           <a:prstGeom prst="rect">
             <a:avLst/>
@@ -16729,7 +16729,40 @@
                 <a:ea typeface="微软雅黑" panose="020B0503020204020204" pitchFamily="2" charset="-122"/>
                 <a:sym typeface="微软雅黑" panose="020B0503020204020204" pitchFamily="2" charset="-122"/>
               </a:rPr>
-              <a:t>建模 </a:t>
+              <a:t>建模（</a:t>
+            </a:r>
+            <a:r>
+              <a:rPr lang="en-US" altLang="zh-CN" sz="4400" b="1" dirty="0">
+                <a:solidFill>
+                  <a:srgbClr val="1115C3"/>
+                </a:solidFill>
+                <a:latin typeface="微软雅黑" panose="020B0503020204020204" pitchFamily="2" charset="-122"/>
+                <a:ea typeface="微软雅黑" panose="020B0503020204020204" pitchFamily="2" charset="-122"/>
+                <a:sym typeface="微软雅黑" panose="020B0503020204020204" pitchFamily="2" charset="-122"/>
+              </a:rPr>
+              <a:t>5</a:t>
+            </a:r>
+            <a:r>
+              <a:rPr lang="zh-CN" altLang="en-US" sz="4400" b="1" dirty="0">
+                <a:solidFill>
+                  <a:srgbClr val="1115C3"/>
+                </a:solidFill>
+                <a:latin typeface="微软雅黑" panose="020B0503020204020204" pitchFamily="2" charset="-122"/>
+                <a:ea typeface="微软雅黑" panose="020B0503020204020204" pitchFamily="2" charset="-122"/>
+                <a:sym typeface="微软雅黑" panose="020B0503020204020204" pitchFamily="2" charset="-122"/>
+              </a:rPr>
+              <a:t>）</a:t>
+            </a:r>
+            <a:r>
+              <a:rPr lang="zh-CN" altLang="en-US" sz="4400" b="1" dirty="0">
+                <a:solidFill>
+                  <a:srgbClr val="1115C3"/>
+                </a:solidFill>
+                <a:latin typeface="微软雅黑" panose="020B0503020204020204" pitchFamily="2" charset="-122"/>
+                <a:ea typeface="微软雅黑" panose="020B0503020204020204" pitchFamily="2" charset="-122"/>
+                <a:sym typeface="微软雅黑" panose="020B0503020204020204" pitchFamily="2" charset="-122"/>
+              </a:rPr>
+              <a:t> </a:t>
             </a:r>
             <a:endParaRPr lang="zh-CN" altLang="en-US" sz="4400" b="1" dirty="0">
               <a:solidFill>
@@ -23480,7 +23513,7 @@
               <a:schemeClr val="accent6">
                 <a:shade val="80000"/>
                 <a:hueOff val="-8279"/>
-                <a:satOff val="-2917"/>
+                <a:satOff val="-2914"/>
                 <a:lumOff val="5616"/>
                 <a:alphaOff val="0"/>
               </a:schemeClr>
@@ -23731,7 +23764,7 @@
               <a:schemeClr val="accent6">
                 <a:shade val="90000"/>
                 <a:hueOff val="-10348"/>
-                <a:satOff val="-3579"/>
+                <a:satOff val="-3576"/>
                 <a:lumOff val="6418"/>
                 <a:alphaOff val="0"/>
               </a:schemeClr>
@@ -23740,7 +23773,7 @@
               <a:schemeClr val="accent6">
                 <a:shade val="90000"/>
                 <a:hueOff val="-10348"/>
-                <a:satOff val="-3579"/>
+                <a:satOff val="-3576"/>
                 <a:lumOff val="6418"/>
                 <a:alphaOff val="0"/>
               </a:schemeClr>
@@ -23749,7 +23782,7 @@
               <a:schemeClr val="accent6">
                 <a:shade val="90000"/>
                 <a:hueOff val="-10348"/>
-                <a:satOff val="-3579"/>
+                <a:satOff val="-3576"/>
                 <a:lumOff val="6418"/>
                 <a:alphaOff val="0"/>
               </a:schemeClr>
@@ -23916,7 +23949,7 @@
               <a:schemeClr val="accent6">
                 <a:shade val="80000"/>
                 <a:hueOff val="-16557"/>
-                <a:satOff val="-5836"/>
+                <a:satOff val="-5833"/>
                 <a:lumOff val="11232"/>
                 <a:alphaOff val="0"/>
               </a:schemeClr>
@@ -24117,7 +24150,7 @@
               <a:schemeClr val="accent6">
                 <a:shade val="90000"/>
                 <a:hueOff val="-20696"/>
-                <a:satOff val="-7161"/>
+                <a:satOff val="-7158"/>
                 <a:lumOff val="12836"/>
                 <a:alphaOff val="0"/>
               </a:schemeClr>
@@ -24126,7 +24159,7 @@
               <a:schemeClr val="accent6">
                 <a:shade val="90000"/>
                 <a:hueOff val="-20696"/>
-                <a:satOff val="-7161"/>
+                <a:satOff val="-7158"/>
                 <a:lumOff val="12836"/>
                 <a:alphaOff val="0"/>
               </a:schemeClr>
@@ -24135,7 +24168,7 @@
               <a:schemeClr val="accent6">
                 <a:shade val="90000"/>
                 <a:hueOff val="-20696"/>
-                <a:satOff val="-7161"/>
+                <a:satOff val="-7158"/>
                 <a:lumOff val="12836"/>
                 <a:alphaOff val="0"/>
               </a:schemeClr>
@@ -24302,7 +24335,7 @@
               <a:schemeClr val="accent6">
                 <a:shade val="80000"/>
                 <a:hueOff val="-24836"/>
-                <a:satOff val="-8755"/>
+                <a:satOff val="-8752"/>
                 <a:lumOff val="16849"/>
                 <a:alphaOff val="0"/>
               </a:schemeClr>
@@ -24563,7 +24596,7 @@
               <a:schemeClr val="accent6">
                 <a:shade val="90000"/>
                 <a:hueOff val="-31044"/>
-                <a:satOff val="-10742"/>
+                <a:satOff val="-10739"/>
                 <a:lumOff val="19254"/>
                 <a:alphaOff val="0"/>
               </a:schemeClr>
@@ -24572,7 +24605,7 @@
               <a:schemeClr val="accent6">
                 <a:shade val="90000"/>
                 <a:hueOff val="-31044"/>
-                <a:satOff val="-10742"/>
+                <a:satOff val="-10739"/>
                 <a:lumOff val="19254"/>
                 <a:alphaOff val="0"/>
               </a:schemeClr>
@@ -24581,7 +24614,7 @@
               <a:schemeClr val="accent6">
                 <a:shade val="90000"/>
                 <a:hueOff val="-31044"/>
-                <a:satOff val="-10742"/>
+                <a:satOff val="-10739"/>
                 <a:lumOff val="19254"/>
                 <a:alphaOff val="0"/>
               </a:schemeClr>
@@ -24748,7 +24781,7 @@
               <a:schemeClr val="accent6">
                 <a:shade val="80000"/>
                 <a:hueOff val="-33114"/>
-                <a:satOff val="-11674"/>
+                <a:satOff val="-11671"/>
                 <a:lumOff val="22465"/>
                 <a:alphaOff val="0"/>
               </a:schemeClr>
@@ -24949,7 +24982,7 @@
               <a:schemeClr val="accent6">
                 <a:shade val="90000"/>
                 <a:hueOff val="-41392"/>
-                <a:satOff val="-14323"/>
+                <a:satOff val="-14320"/>
                 <a:lumOff val="25672"/>
                 <a:alphaOff val="0"/>
               </a:schemeClr>
@@ -24958,7 +24991,7 @@
               <a:schemeClr val="accent6">
                 <a:shade val="90000"/>
                 <a:hueOff val="-41392"/>
-                <a:satOff val="-14323"/>
+                <a:satOff val="-14320"/>
                 <a:lumOff val="25672"/>
                 <a:alphaOff val="0"/>
               </a:schemeClr>
@@ -24967,7 +25000,7 @@
               <a:schemeClr val="accent6">
                 <a:shade val="90000"/>
                 <a:hueOff val="-41392"/>
-                <a:satOff val="-14323"/>
+                <a:satOff val="-14320"/>
                 <a:lumOff val="25672"/>
                 <a:alphaOff val="0"/>
               </a:schemeClr>
@@ -25134,7 +25167,7 @@
               <a:schemeClr val="accent6">
                 <a:shade val="80000"/>
                 <a:hueOff val="-41393"/>
-                <a:satOff val="-14593"/>
+                <a:satOff val="-14590"/>
                 <a:lumOff val="28081"/>
                 <a:alphaOff val="0"/>
               </a:schemeClr>
@@ -28460,6 +28493,10 @@
         <p:txBody>
           <a:bodyPr wrap="square" rtlCol="0">
             <a:spAutoFit/>
+            <a:scene3d>
+              <a:camera prst="orthographicFront"/>
+              <a:lightRig rig="threePt" dir="t"/>
+            </a:scene3d>
           </a:bodyPr>
           <a:lstStyle/>
           <a:p>
@@ -28470,9 +28507,17 @@
             </a:pPr>
             <a:r>
               <a:rPr lang="en-US" altLang="zh-CN" sz="2400" dirty="0">
-                <a:solidFill>
-                  <a:srgbClr val="C00000"/>
-                </a:solidFill>
+                <a:ln/>
+                <a:solidFill>
+                  <a:schemeClr val="accent1"/>
+                </a:solidFill>
+                <a:effectLst>
+                  <a:outerShdw blurRad="38100" dist="25400" dir="5400000" algn="ctr" rotWithShape="0">
+                    <a:srgbClr val="6E747A">
+                      <a:alpha val="43000"/>
+                    </a:srgbClr>
+                  </a:outerShdw>
+                </a:effectLst>
                 <a:latin typeface="微软雅黑" panose="020B0503020204020204" pitchFamily="2" charset="-122"/>
                 <a:ea typeface="微软雅黑" panose="020B0503020204020204" pitchFamily="2" charset="-122"/>
               </a:rPr>
@@ -28480,9 +28525,17 @@
             </a:r>
             <a:r>
               <a:rPr lang="zh-CN" altLang="en-US" sz="2400" dirty="0">
-                <a:solidFill>
-                  <a:srgbClr val="C00000"/>
-                </a:solidFill>
+                <a:ln/>
+                <a:solidFill>
+                  <a:schemeClr val="accent1"/>
+                </a:solidFill>
+                <a:effectLst>
+                  <a:outerShdw blurRad="38100" dist="25400" dir="5400000" algn="ctr" rotWithShape="0">
+                    <a:srgbClr val="6E747A">
+                      <a:alpha val="43000"/>
+                    </a:srgbClr>
+                  </a:outerShdw>
+                </a:effectLst>
                 <a:latin typeface="微软雅黑" panose="020B0503020204020204" pitchFamily="2" charset="-122"/>
                 <a:ea typeface="微软雅黑" panose="020B0503020204020204" pitchFamily="2" charset="-122"/>
               </a:rPr>
@@ -28490,9 +28543,17 @@
             </a:r>
             <a:r>
               <a:rPr lang="en-US" altLang="zh-CN" sz="2400" dirty="0">
-                <a:solidFill>
-                  <a:srgbClr val="C00000"/>
-                </a:solidFill>
+                <a:ln/>
+                <a:solidFill>
+                  <a:schemeClr val="accent1"/>
+                </a:solidFill>
+                <a:effectLst>
+                  <a:outerShdw blurRad="38100" dist="25400" dir="5400000" algn="ctr" rotWithShape="0">
+                    <a:srgbClr val="6E747A">
+                      <a:alpha val="43000"/>
+                    </a:srgbClr>
+                  </a:outerShdw>
+                </a:effectLst>
                 <a:latin typeface="微软雅黑" panose="020B0503020204020204" pitchFamily="2" charset="-122"/>
                 <a:ea typeface="微软雅黑" panose="020B0503020204020204" pitchFamily="2" charset="-122"/>
               </a:rPr>
@@ -28500,9 +28561,17 @@
             </a:r>
             <a:r>
               <a:rPr lang="zh-CN" altLang="en-US" sz="2400" dirty="0">
-                <a:solidFill>
-                  <a:srgbClr val="C00000"/>
-                </a:solidFill>
+                <a:ln/>
+                <a:solidFill>
+                  <a:schemeClr val="accent1"/>
+                </a:solidFill>
+                <a:effectLst>
+                  <a:outerShdw blurRad="38100" dist="25400" dir="5400000" algn="ctr" rotWithShape="0">
+                    <a:srgbClr val="6E747A">
+                      <a:alpha val="43000"/>
+                    </a:srgbClr>
+                  </a:outerShdw>
+                </a:effectLst>
                 <a:latin typeface="微软雅黑" panose="020B0503020204020204" pitchFamily="2" charset="-122"/>
                 <a:ea typeface="微软雅黑" panose="020B0503020204020204" pitchFamily="2" charset="-122"/>
               </a:rPr>
@@ -28510,9 +28579,17 @@
             </a:r>
             <a:r>
               <a:rPr lang="en-US" altLang="zh-CN" sz="2400">
-                <a:solidFill>
-                  <a:srgbClr val="C00000"/>
-                </a:solidFill>
+                <a:ln/>
+                <a:solidFill>
+                  <a:schemeClr val="accent1"/>
+                </a:solidFill>
+                <a:effectLst>
+                  <a:outerShdw blurRad="38100" dist="25400" dir="5400000" algn="ctr" rotWithShape="0">
+                    <a:srgbClr val="6E747A">
+                      <a:alpha val="43000"/>
+                    </a:srgbClr>
+                  </a:outerShdw>
+                </a:effectLst>
                 <a:latin typeface="微软雅黑" panose="020B0503020204020204" pitchFamily="2" charset="-122"/>
                 <a:ea typeface="微软雅黑" panose="020B0503020204020204" pitchFamily="2" charset="-122"/>
               </a:rPr>
@@ -28520,9 +28597,17 @@
             </a:r>
             <a:r>
               <a:rPr lang="zh-CN" altLang="en-US" sz="2400" smtClean="0">
-                <a:solidFill>
-                  <a:srgbClr val="C00000"/>
-                </a:solidFill>
+                <a:ln/>
+                <a:solidFill>
+                  <a:schemeClr val="accent1"/>
+                </a:solidFill>
+                <a:effectLst>
+                  <a:outerShdw blurRad="38100" dist="25400" dir="5400000" algn="ctr" rotWithShape="0">
+                    <a:srgbClr val="6E747A">
+                      <a:alpha val="43000"/>
+                    </a:srgbClr>
+                  </a:outerShdw>
+                </a:effectLst>
                 <a:latin typeface="微软雅黑" panose="020B0503020204020204" pitchFamily="2" charset="-122"/>
                 <a:ea typeface="微软雅黑" panose="020B0503020204020204" pitchFamily="2" charset="-122"/>
               </a:rPr>
@@ -28530,9 +28615,17 @@
             </a:r>
             <a:r>
               <a:rPr lang="zh-CN" altLang="en-US" sz="2400" dirty="0">
-                <a:solidFill>
-                  <a:srgbClr val="C00000"/>
-                </a:solidFill>
+                <a:ln/>
+                <a:solidFill>
+                  <a:schemeClr val="accent1"/>
+                </a:solidFill>
+                <a:effectLst>
+                  <a:outerShdw blurRad="38100" dist="25400" dir="5400000" algn="ctr" rotWithShape="0">
+                    <a:srgbClr val="6E747A">
+                      <a:alpha val="43000"/>
+                    </a:srgbClr>
+                  </a:outerShdw>
+                </a:effectLst>
                 <a:latin typeface="微软雅黑" panose="020B0503020204020204" pitchFamily="2" charset="-122"/>
                 <a:ea typeface="微软雅黑" panose="020B0503020204020204" pitchFamily="2" charset="-122"/>
               </a:rPr>
@@ -28540,9 +28633,17 @@
             </a:r>
             <a:r>
               <a:rPr lang="en-US" altLang="zh-CN" sz="2400" dirty="0">
-                <a:solidFill>
-                  <a:srgbClr val="C00000"/>
-                </a:solidFill>
+                <a:ln/>
+                <a:solidFill>
+                  <a:schemeClr val="accent1"/>
+                </a:solidFill>
+                <a:effectLst>
+                  <a:outerShdw blurRad="38100" dist="25400" dir="5400000" algn="ctr" rotWithShape="0">
+                    <a:srgbClr val="6E747A">
+                      <a:alpha val="43000"/>
+                    </a:srgbClr>
+                  </a:outerShdw>
+                </a:effectLst>
                 <a:latin typeface="微软雅黑" panose="020B0503020204020204" pitchFamily="2" charset="-122"/>
                 <a:ea typeface="微软雅黑" panose="020B0503020204020204" pitchFamily="2" charset="-122"/>
               </a:rPr>
@@ -28550,9 +28651,17 @@
             </a:r>
             <a:r>
               <a:rPr lang="zh-CN" altLang="en-US" sz="2400" dirty="0">
-                <a:solidFill>
-                  <a:srgbClr val="C00000"/>
-                </a:solidFill>
+                <a:ln/>
+                <a:solidFill>
+                  <a:schemeClr val="accent1"/>
+                </a:solidFill>
+                <a:effectLst>
+                  <a:outerShdw blurRad="38100" dist="25400" dir="5400000" algn="ctr" rotWithShape="0">
+                    <a:srgbClr val="6E747A">
+                      <a:alpha val="43000"/>
+                    </a:srgbClr>
+                  </a:outerShdw>
+                </a:effectLst>
                 <a:latin typeface="微软雅黑" panose="020B0503020204020204" pitchFamily="2" charset="-122"/>
                 <a:ea typeface="微软雅黑" panose="020B0503020204020204" pitchFamily="2" charset="-122"/>
               </a:rPr>
@@ -28560,9 +28669,17 @@
             </a:r>
             <a:r>
               <a:rPr lang="en-US" altLang="zh-CN" sz="2400" dirty="0">
-                <a:solidFill>
-                  <a:srgbClr val="C00000"/>
-                </a:solidFill>
+                <a:ln/>
+                <a:solidFill>
+                  <a:schemeClr val="accent1"/>
+                </a:solidFill>
+                <a:effectLst>
+                  <a:outerShdw blurRad="38100" dist="25400" dir="5400000" algn="ctr" rotWithShape="0">
+                    <a:srgbClr val="6E747A">
+                      <a:alpha val="43000"/>
+                    </a:srgbClr>
+                  </a:outerShdw>
+                </a:effectLst>
                 <a:latin typeface="微软雅黑" panose="020B0503020204020204" pitchFamily="2" charset="-122"/>
                 <a:ea typeface="微软雅黑" panose="020B0503020204020204" pitchFamily="2" charset="-122"/>
               </a:rPr>
@@ -28570,9 +28687,17 @@
             </a:r>
             <a:r>
               <a:rPr lang="zh-CN" altLang="en-US" sz="2400" dirty="0">
-                <a:solidFill>
-                  <a:srgbClr val="C00000"/>
-                </a:solidFill>
+                <a:ln/>
+                <a:solidFill>
+                  <a:schemeClr val="accent1"/>
+                </a:solidFill>
+                <a:effectLst>
+                  <a:outerShdw blurRad="38100" dist="25400" dir="5400000" algn="ctr" rotWithShape="0">
+                    <a:srgbClr val="6E747A">
+                      <a:alpha val="43000"/>
+                    </a:srgbClr>
+                  </a:outerShdw>
+                </a:effectLst>
                 <a:latin typeface="微软雅黑" panose="020B0503020204020204" pitchFamily="2" charset="-122"/>
                 <a:ea typeface="微软雅黑" panose="020B0503020204020204" pitchFamily="2" charset="-122"/>
               </a:rPr>
@@ -28580,9 +28705,17 @@
             </a:r>
             <a:r>
               <a:rPr lang="zh-CN" altLang="en-US" sz="2400">
-                <a:solidFill>
-                  <a:srgbClr val="C00000"/>
-                </a:solidFill>
+                <a:ln/>
+                <a:solidFill>
+                  <a:schemeClr val="accent1"/>
+                </a:solidFill>
+                <a:effectLst>
+                  <a:outerShdw blurRad="38100" dist="25400" dir="5400000" algn="ctr" rotWithShape="0">
+                    <a:srgbClr val="6E747A">
+                      <a:alpha val="43000"/>
+                    </a:srgbClr>
+                  </a:outerShdw>
+                </a:effectLst>
                 <a:latin typeface="微软雅黑" panose="020B0503020204020204" pitchFamily="2" charset="-122"/>
                 <a:ea typeface="微软雅黑" panose="020B0503020204020204" pitchFamily="2" charset="-122"/>
               </a:rPr>
@@ -28590,18 +28723,34 @@
             </a:r>
             <a:r>
               <a:rPr lang="zh-CN" altLang="en-US" sz="2400" smtClean="0">
-                <a:solidFill>
-                  <a:srgbClr val="C00000"/>
-                </a:solidFill>
+                <a:ln/>
+                <a:solidFill>
+                  <a:schemeClr val="accent1"/>
+                </a:solidFill>
+                <a:effectLst>
+                  <a:outerShdw blurRad="38100" dist="25400" dir="5400000" algn="ctr" rotWithShape="0">
+                    <a:srgbClr val="6E747A">
+                      <a:alpha val="43000"/>
+                    </a:srgbClr>
+                  </a:outerShdw>
+                </a:effectLst>
                 <a:latin typeface="微软雅黑" panose="020B0503020204020204" pitchFamily="2" charset="-122"/>
                 <a:ea typeface="微软雅黑" panose="020B0503020204020204" pitchFamily="2" charset="-122"/>
               </a:rPr>
               <a:t>。</a:t>
             </a:r>
-            <a:endParaRPr lang="zh-CN" altLang="en-US" sz="2400" dirty="0">
+            <a:endParaRPr lang="zh-CN" altLang="en-US" sz="2400" dirty="0" smtClean="0">
+              <a:ln/>
               <a:solidFill>
-                <a:srgbClr val="C00000"/>
+                <a:schemeClr val="accent1"/>
               </a:solidFill>
+              <a:effectLst>
+                <a:outerShdw blurRad="38100" dist="25400" dir="5400000" algn="ctr" rotWithShape="0">
+                  <a:srgbClr val="6E747A">
+                    <a:alpha val="43000"/>
+                  </a:srgbClr>
+                </a:outerShdw>
+              </a:effectLst>
               <a:latin typeface="微软雅黑" panose="020B0503020204020204" pitchFamily="2" charset="-122"/>
               <a:ea typeface="微软雅黑" panose="020B0503020204020204" pitchFamily="2" charset="-122"/>
             </a:endParaRPr>
@@ -28624,8 +28773,8 @@
         </p:blipFill>
         <p:spPr>
           <a:xfrm>
-            <a:off x="287725" y="1412860"/>
-            <a:ext cx="5019675" cy="1428750"/>
+            <a:off x="287655" y="1914525"/>
+            <a:ext cx="4526280" cy="1288415"/>
           </a:xfrm>
           <a:prstGeom prst="rect">
             <a:avLst/>
@@ -28648,7 +28797,7 @@
         </p:blipFill>
         <p:spPr>
           <a:xfrm>
-            <a:off x="5375950" y="1251823"/>
+            <a:off x="5474375" y="1728708"/>
             <a:ext cx="6627082" cy="5129381"/>
           </a:xfrm>
           <a:prstGeom prst="rect">
@@ -28680,6 +28829,185 @@
           </a:prstGeom>
         </p:spPr>
       </p:pic>
+      <p:sp>
+        <p:nvSpPr>
+          <p:cNvPr id="8" name="文本框 7"/>
+          <p:cNvSpPr txBox="1"/>
+          <p:nvPr/>
+        </p:nvSpPr>
+        <p:spPr>
+          <a:xfrm>
+            <a:off x="268605" y="1333500"/>
+            <a:ext cx="11849100" cy="460375"/>
+          </a:xfrm>
+          <a:prstGeom prst="rect">
+            <a:avLst/>
+          </a:prstGeom>
+          <a:noFill/>
+        </p:spPr>
+        <p:txBody>
+          <a:bodyPr wrap="square" rtlCol="0" anchor="t">
+            <a:spAutoFit/>
+          </a:bodyPr>
+          <a:p>
+            <a:r>
+              <a:rPr lang="en-US" altLang="zh-CN" sz="2400" b="1">
+                <a:solidFill>
+                  <a:srgbClr val="FF0000"/>
+                </a:solidFill>
+              </a:rPr>
+              <a:t>X7</a:t>
+            </a:r>
+            <a:r>
+              <a:rPr lang="zh-CN" altLang="en-US" sz="2400" b="1">
+                <a:solidFill>
+                  <a:srgbClr val="FF0000"/>
+                </a:solidFill>
+              </a:rPr>
+              <a:t>.</a:t>
+            </a:r>
+            <a:r>
+              <a:rPr lang="en-US" altLang="zh-CN" sz="2400" b="1">
+                <a:solidFill>
+                  <a:srgbClr val="FF0000"/>
+                </a:solidFill>
+              </a:rPr>
+              <a:t>2</a:t>
+            </a:r>
+            <a:r>
+              <a:rPr lang="zh-CN" altLang="en-US" sz="2400" b="1">
+                <a:solidFill>
+                  <a:srgbClr val="FF0000"/>
+                </a:solidFill>
+              </a:rPr>
+              <a:t>=read.xlsx('mvstats5.xlsx','d3.1',rowNames=TRUE); </a:t>
+            </a:r>
+            <a:r>
+              <a:rPr lang="en-US" altLang="zh-CN" sz="2400" b="1">
+                <a:solidFill>
+                  <a:srgbClr val="FF0000"/>
+                </a:solidFill>
+              </a:rPr>
+              <a:t>X7</a:t>
+            </a:r>
+            <a:r>
+              <a:rPr lang="zh-CN" altLang="en-US" sz="2400" b="1">
+                <a:solidFill>
+                  <a:srgbClr val="FF0000"/>
+                </a:solidFill>
+              </a:rPr>
+              <a:t>.</a:t>
+            </a:r>
+            <a:r>
+              <a:rPr lang="en-US" altLang="zh-CN" sz="2400" b="1">
+                <a:solidFill>
+                  <a:srgbClr val="FF0000"/>
+                </a:solidFill>
+              </a:rPr>
+              <a:t>2</a:t>
+            </a:r>
+            <a:r>
+              <a:rPr lang="zh-CN" altLang="en-US" sz="2400" b="1">
+                <a:solidFill>
+                  <a:srgbClr val="FF0000"/>
+                </a:solidFill>
+              </a:rPr>
+              <a:t> # </a:t>
+            </a:r>
+            <a:r>
+              <a:rPr lang="en-US" altLang="zh-CN" sz="2400" b="1">
+                <a:solidFill>
+                  <a:srgbClr val="FF0000"/>
+                </a:solidFill>
+              </a:rPr>
+              <a:t>library(openxlsx)</a:t>
+            </a:r>
+            <a:endParaRPr lang="en-US" altLang="zh-CN" sz="2400" b="1">
+              <a:solidFill>
+                <a:srgbClr val="FF0000"/>
+              </a:solidFill>
+            </a:endParaRPr>
+          </a:p>
+        </p:txBody>
+      </p:sp>
+      <p:sp>
+        <p:nvSpPr>
+          <p:cNvPr id="14" name="流程图: 过程 13"/>
+          <p:cNvSpPr/>
+          <p:nvPr/>
+        </p:nvSpPr>
+        <p:spPr>
+          <a:xfrm>
+            <a:off x="432435" y="2073910"/>
+            <a:ext cx="4236720" cy="76200"/>
+          </a:xfrm>
+          <a:prstGeom prst="flowChartProcess">
+            <a:avLst/>
+          </a:prstGeom>
+        </p:spPr>
+        <p:style>
+          <a:lnRef idx="2">
+            <a:schemeClr val="accent1">
+              <a:shade val="50000"/>
+            </a:schemeClr>
+          </a:lnRef>
+          <a:fillRef idx="1">
+            <a:schemeClr val="accent1"/>
+          </a:fillRef>
+          <a:effectRef idx="0">
+            <a:schemeClr val="accent1"/>
+          </a:effectRef>
+          <a:fontRef idx="minor">
+            <a:schemeClr val="lt1"/>
+          </a:fontRef>
+        </p:style>
+        <p:txBody>
+          <a:bodyPr rtlCol="0" anchor="ctr"/>
+          <a:p>
+            <a:pPr algn="ctr"/>
+            <a:endParaRPr lang="zh-CN" altLang="en-US"/>
+          </a:p>
+        </p:txBody>
+      </p:sp>
+      <p:sp>
+        <p:nvSpPr>
+          <p:cNvPr id="9" name="流程图: 过程 8"/>
+          <p:cNvSpPr/>
+          <p:nvPr/>
+        </p:nvSpPr>
+        <p:spPr>
+          <a:xfrm flipV="1">
+            <a:off x="335915" y="2520315"/>
+            <a:ext cx="4333240" cy="76200"/>
+          </a:xfrm>
+          <a:prstGeom prst="flowChartProcess">
+            <a:avLst/>
+          </a:prstGeom>
+        </p:spPr>
+        <p:style>
+          <a:lnRef idx="2">
+            <a:schemeClr val="accent1">
+              <a:shade val="50000"/>
+            </a:schemeClr>
+          </a:lnRef>
+          <a:fillRef idx="1">
+            <a:schemeClr val="accent1"/>
+          </a:fillRef>
+          <a:effectRef idx="0">
+            <a:schemeClr val="accent1"/>
+          </a:effectRef>
+          <a:fontRef idx="minor">
+            <a:schemeClr val="lt1"/>
+          </a:fontRef>
+        </p:style>
+        <p:txBody>
+          <a:bodyPr rtlCol="0" anchor="ctr"/>
+          <a:p>
+            <a:pPr algn="ctr"/>
+            <a:endParaRPr lang="zh-CN" altLang="en-US"/>
+          </a:p>
+        </p:txBody>
+      </p:sp>
     </p:spTree>
   </p:cSld>
   <p:clrMapOvr>
